--- a/thesis.pptx
+++ b/thesis.pptx
@@ -7518,12 +7518,108 @@
           <a:chExt cx="0" cy="0"/>
         </a:xfrm>
       </p:grpSpPr>
+      <p:sp>
+        <p:nvSpPr>
+          <p:cNvPr id="2" name="Text Placeholder 1">
+            <a:extLst>
+              <a:ext uri="{FF2B5EF4-FFF2-40B4-BE49-F238E27FC236}">
+                <a16:creationId xmlns:a16="http://schemas.microsoft.com/office/drawing/2014/main" id="{46EE6225-1EC5-CC8B-7A31-C58EB6A8DFF5}"/>
+              </a:ext>
+            </a:extLst>
+          </p:cNvPr>
+          <p:cNvSpPr>
+            <a:spLocks noGrp="1"/>
+          </p:cNvSpPr>
+          <p:nvPr>
+            <p:ph type="body" idx="1"/>
+          </p:nvPr>
+        </p:nvSpPr>
+        <p:spPr>
+          <a:xfrm>
+            <a:off x="839788" y="1396227"/>
+            <a:ext cx="5157787" cy="557226"/>
+          </a:xfrm>
+        </p:spPr>
+        <p:txBody>
+          <a:bodyPr/>
+          <a:lstStyle/>
+          <a:p>
+            <a:r>
+              <a:rPr lang="en-US" dirty="0"/>
+              <a:t>WFRC Model</a:t>
+            </a:r>
+          </a:p>
+        </p:txBody>
+      </p:sp>
+      <p:sp>
+        <p:nvSpPr>
+          <p:cNvPr id="3" name="Text Placeholder 2">
+            <a:extLst>
+              <a:ext uri="{FF2B5EF4-FFF2-40B4-BE49-F238E27FC236}">
+                <a16:creationId xmlns:a16="http://schemas.microsoft.com/office/drawing/2014/main" id="{578E25FA-448D-7AE9-D5C6-525EC561F9A5}"/>
+              </a:ext>
+            </a:extLst>
+          </p:cNvPr>
+          <p:cNvSpPr>
+            <a:spLocks noGrp="1"/>
+          </p:cNvSpPr>
+          <p:nvPr>
+            <p:ph type="body" sz="quarter" idx="3"/>
+          </p:nvPr>
+        </p:nvSpPr>
+        <p:spPr>
+          <a:xfrm>
+            <a:off x="6172200" y="1396226"/>
+            <a:ext cx="5183188" cy="557225"/>
+          </a:xfrm>
+        </p:spPr>
+        <p:txBody>
+          <a:bodyPr/>
+          <a:lstStyle/>
+          <a:p>
+            <a:r>
+              <a:rPr lang="en-US" dirty="0"/>
+              <a:t>ActivitySim</a:t>
+            </a:r>
+          </a:p>
+        </p:txBody>
+      </p:sp>
+      <p:sp>
+        <p:nvSpPr>
+          <p:cNvPr id="4" name="Title 3">
+            <a:extLst>
+              <a:ext uri="{FF2B5EF4-FFF2-40B4-BE49-F238E27FC236}">
+                <a16:creationId xmlns:a16="http://schemas.microsoft.com/office/drawing/2014/main" id="{01BB7B6A-EA8E-A5B5-C798-726D4676CF0B}"/>
+              </a:ext>
+            </a:extLst>
+          </p:cNvPr>
+          <p:cNvSpPr>
+            <a:spLocks noGrp="1"/>
+          </p:cNvSpPr>
+          <p:nvPr>
+            <p:ph type="title"/>
+          </p:nvPr>
+        </p:nvSpPr>
+        <p:spPr/>
+        <p:txBody>
+          <a:bodyPr anchor="ctr">
+            <a:normAutofit/>
+          </a:bodyPr>
+          <a:lstStyle/>
+          <a:p>
+            <a:r>
+              <a:rPr lang="en-US" dirty="0"/>
+              <a:t>New Trips</a:t>
+            </a:r>
+          </a:p>
+        </p:txBody>
+      </p:sp>
       <p:pic>
         <p:nvPicPr>
-          <p:cNvPr id="8" name="Content Placeholder 7">
-            <a:extLst>
-              <a:ext uri="{FF2B5EF4-FFF2-40B4-BE49-F238E27FC236}">
-                <a16:creationId xmlns:a16="http://schemas.microsoft.com/office/drawing/2014/main" id="{A082E09C-8D6C-3CB2-4BAA-7985451524A2}"/>
+          <p:cNvPr id="9" name="Content Placeholder 5">
+            <a:extLst>
+              <a:ext uri="{FF2B5EF4-FFF2-40B4-BE49-F238E27FC236}">
+                <a16:creationId xmlns:a16="http://schemas.microsoft.com/office/drawing/2014/main" id="{D77FA351-3809-AE21-B5FA-8A607E11C862}"/>
               </a:ext>
             </a:extLst>
           </p:cNvPr>
@@ -7542,50 +7638,20 @@
         </p:blipFill>
         <p:spPr>
           <a:xfrm>
-            <a:off x="6294779" y="1384300"/>
-            <a:ext cx="4936442" cy="4792663"/>
+            <a:off x="839788" y="1967731"/>
+            <a:ext cx="5157787" cy="4208414"/>
           </a:xfrm>
           <a:prstGeom prst="rect">
             <a:avLst/>
           </a:prstGeom>
         </p:spPr>
       </p:pic>
-      <p:sp>
-        <p:nvSpPr>
-          <p:cNvPr id="4" name="Title 3">
-            <a:extLst>
-              <a:ext uri="{FF2B5EF4-FFF2-40B4-BE49-F238E27FC236}">
-                <a16:creationId xmlns:a16="http://schemas.microsoft.com/office/drawing/2014/main" id="{01BB7B6A-EA8E-A5B5-C798-726D4676CF0B}"/>
-              </a:ext>
-            </a:extLst>
-          </p:cNvPr>
-          <p:cNvSpPr>
-            <a:spLocks noGrp="1"/>
-          </p:cNvSpPr>
-          <p:nvPr>
-            <p:ph type="title"/>
-          </p:nvPr>
-        </p:nvSpPr>
-        <p:spPr/>
-        <p:txBody>
-          <a:bodyPr anchor="ctr">
-            <a:normAutofit/>
-          </a:bodyPr>
-          <a:lstStyle/>
-          <a:p>
-            <a:r>
-              <a:rPr lang="en-US" dirty="0"/>
-              <a:t>New Trips</a:t>
-            </a:r>
-          </a:p>
-        </p:txBody>
-      </p:sp>
       <p:pic>
         <p:nvPicPr>
-          <p:cNvPr id="6" name="Content Placeholder 5">
-            <a:extLst>
-              <a:ext uri="{FF2B5EF4-FFF2-40B4-BE49-F238E27FC236}">
-                <a16:creationId xmlns:a16="http://schemas.microsoft.com/office/drawing/2014/main" id="{95FB667B-9E62-4DC0-ABCE-668C664A628C}"/>
+          <p:cNvPr id="12" name="Content Placeholder 7">
+            <a:extLst>
+              <a:ext uri="{FF2B5EF4-FFF2-40B4-BE49-F238E27FC236}">
+                <a16:creationId xmlns:a16="http://schemas.microsoft.com/office/drawing/2014/main" id="{BDB77D31-1580-D315-6F47-E3CB49F3CEFD}"/>
               </a:ext>
             </a:extLst>
           </p:cNvPr>
@@ -7593,7 +7659,7 @@
             <a:picLocks noGrp="1" noChangeAspect="1"/>
           </p:cNvPicPr>
           <p:nvPr>
-            <p:ph sz="half" idx="1"/>
+            <p:ph sz="quarter" idx="4"/>
           </p:nvPr>
         </p:nvPicPr>
         <p:blipFill>
@@ -7604,8 +7670,8 @@
         </p:blipFill>
         <p:spPr>
           <a:xfrm>
-            <a:off x="838200" y="1666710"/>
-            <a:ext cx="5181600" cy="4227843"/>
+            <a:off x="6582537" y="1954213"/>
+            <a:ext cx="4362513" cy="4235450"/>
           </a:xfrm>
           <a:prstGeom prst="rect">
             <a:avLst/>
@@ -9158,7 +9224,7 @@
             <a:pPr lvl="1"/>
             <a:r>
               <a:rPr lang="en-US" dirty="0"/>
-              <a:t>Disaggregate/Individual</a:t>
+              <a:t>Synthetic population</a:t>
             </a:r>
           </a:p>
           <a:p>

--- a/thesis.pptx
+++ b/thesis.pptx
@@ -227,7 +227,7 @@
           <a:p>
             <a:fld id="{FA5E20B9-3316-D740-B9C3-16C55CE62523}" type="datetimeFigureOut">
               <a:rPr lang="en-US" smtClean="0"/>
-              <a:t>6/10/24</a:t>
+              <a:t>6/11/24</a:t>
             </a:fld>
             <a:endParaRPr lang="en-US"/>
           </a:p>
@@ -1203,7 +1203,7 @@
           <a:p>
             <a:r>
               <a:rPr lang="en-US" dirty="0"/>
-              <a:t>The WFRC Model is a distribution of (weighted) medians (see previous slide), and ActivitySim is a distribution of actual individual incomes.</a:t>
+              <a:t>The WFRC Model is a distribution of (weighted) medians, and ActivitySim is a distribution of actual individual incomes.</a:t>
             </a:r>
           </a:p>
         </p:txBody>
@@ -2162,7 +2162,7 @@
           <a:p>
             <a:fld id="{9C903A87-2269-EE4A-AAA2-349CEE4A908A}" type="datetimeFigureOut">
               <a:rPr lang="en-US" smtClean="0"/>
-              <a:t>6/10/24</a:t>
+              <a:t>6/11/24</a:t>
             </a:fld>
             <a:endParaRPr lang="en-US"/>
           </a:p>
@@ -2327,7 +2327,7 @@
           <a:p>
             <a:fld id="{9C903A87-2269-EE4A-AAA2-349CEE4A908A}" type="datetimeFigureOut">
               <a:rPr lang="en-US" smtClean="0"/>
-              <a:t>6/10/24</a:t>
+              <a:t>6/11/24</a:t>
             </a:fld>
             <a:endParaRPr lang="en-US"/>
           </a:p>
@@ -2662,7 +2662,7 @@
           <a:p>
             <a:fld id="{9C903A87-2269-EE4A-AAA2-349CEE4A908A}" type="datetimeFigureOut">
               <a:rPr lang="en-US" smtClean="0"/>
-              <a:t>6/10/24</a:t>
+              <a:t>6/11/24</a:t>
             </a:fld>
             <a:endParaRPr lang="en-US"/>
           </a:p>
@@ -4563,7 +4563,7 @@
           <a:p>
             <a:fld id="{9C903A87-2269-EE4A-AAA2-349CEE4A908A}" type="datetimeFigureOut">
               <a:rPr lang="en-US" smtClean="0"/>
-              <a:t>6/10/24</a:t>
+              <a:t>6/11/24</a:t>
             </a:fld>
             <a:endParaRPr lang="en-US"/>
           </a:p>
@@ -5959,7 +5959,7 @@
           <a:p>
             <a:fld id="{9C903A87-2269-EE4A-AAA2-349CEE4A908A}" type="datetimeFigureOut">
               <a:rPr lang="en-US" smtClean="0"/>
-              <a:t>6/10/24</a:t>
+              <a:t>6/11/24</a:t>
             </a:fld>
             <a:endParaRPr lang="en-US"/>
           </a:p>
@@ -6210,7 +6210,7 @@
           <a:p>
             <a:fld id="{9C903A87-2269-EE4A-AAA2-349CEE4A908A}" type="datetimeFigureOut">
               <a:rPr lang="en-US" smtClean="0"/>
-              <a:t>6/10/24</a:t>
+              <a:t>6/11/24</a:t>
             </a:fld>
             <a:endParaRPr lang="en-US"/>
           </a:p>
@@ -6498,7 +6498,7 @@
           <a:p>
             <a:fld id="{9C903A87-2269-EE4A-AAA2-349CEE4A908A}" type="datetimeFigureOut">
               <a:rPr lang="en-US" smtClean="0"/>
-              <a:t>6/10/24</a:t>
+              <a:t>6/11/24</a:t>
             </a:fld>
             <a:endParaRPr lang="en-US"/>
           </a:p>
@@ -9231,7 +9231,7 @@
             <a:pPr lvl="1"/>
             <a:r>
               <a:rPr lang="en-US" dirty="0"/>
-              <a:t>People decide to make trips</a:t>
+              <a:t>Trips result from decisions</a:t>
             </a:r>
           </a:p>
         </p:txBody>
@@ -10646,17 +10646,11 @@
             <a:pPr lvl="1"/>
             <a:r>
               <a:rPr lang="en-US" dirty="0"/>
-              <a:t>ActivitySim easier to interpret</a:t>
+              <a:t>Easier interpretation with activity-based</a:t>
             </a:r>
           </a:p>
           <a:p>
             <a:pPr lvl="1"/>
-            <a:r>
-              <a:rPr lang="en-US" dirty="0"/>
-              <a:t>Trip-based aggregate data harder to interpret</a:t>
-            </a:r>
-          </a:p>
-          <a:p>
             <a:endParaRPr lang="en-US" dirty="0"/>
           </a:p>
           <a:p>
@@ -10696,6 +10690,12 @@
             </a:r>
           </a:p>
           <a:p>
+            <a:endParaRPr lang="en-US" dirty="0"/>
+          </a:p>
+          <a:p>
+            <a:pPr marL="0" indent="0">
+              <a:buNone/>
+            </a:pPr>
             <a:endParaRPr lang="en-US" dirty="0"/>
           </a:p>
           <a:p>
@@ -10793,6 +10793,12 @@
         <p:txBody>
           <a:bodyPr/>
           <a:lstStyle/>
+          <a:p>
+            <a:pPr marL="0" indent="0">
+              <a:buNone/>
+            </a:pPr>
+            <a:endParaRPr lang="en-US" dirty="0"/>
+          </a:p>
           <a:p>
             <a:pPr marL="0" indent="0">
               <a:buNone/>
